--- a/maturity_exam/MP2024-Michalenko-Jakub-E4C-Tiskárna_z_Braillova_psacího_stroje.pptx
+++ b/maturity_exam/MP2024-Michalenko-Jakub-E4C-Tiskárna_z_Braillova_psacího_stroje.pptx
@@ -9,6 +9,9 @@
     <p:sldId id="257" r:id="rId3"/>
     <p:sldId id="258" r:id="rId4"/>
     <p:sldId id="259" r:id="rId5"/>
+    <p:sldId id="260" r:id="rId6"/>
+    <p:sldId id="261" r:id="rId7"/>
+    <p:sldId id="262" r:id="rId8"/>
   </p:sldIdLst>
   <p:sldSz cx="12192000" cy="6858000"/>
   <p:notesSz cx="6858000" cy="9144000"/>
@@ -340,7 +343,7 @@
             <a:fld id="{5586B75A-687E-405C-8A0B-8D00578BA2C3}" type="datetimeFigureOut">
               <a:rPr lang="en-US" dirty="0"/>
               <a:pPr/>
-              <a:t>4/7/2024</a:t>
+              <a:t>4/17/2024</a:t>
             </a:fld>
             <a:endParaRPr lang="en-US" dirty="0"/>
           </a:p>
@@ -507,7 +510,7 @@
             <a:fld id="{5586B75A-687E-405C-8A0B-8D00578BA2C3}" type="datetimeFigureOut">
               <a:rPr lang="en-US" dirty="0"/>
               <a:pPr/>
-              <a:t>4/7/2024</a:t>
+              <a:t>4/17/2024</a:t>
             </a:fld>
             <a:endParaRPr lang="en-US" dirty="0"/>
           </a:p>
@@ -684,7 +687,7 @@
             <a:fld id="{5586B75A-687E-405C-8A0B-8D00578BA2C3}" type="datetimeFigureOut">
               <a:rPr lang="en-US" dirty="0"/>
               <a:pPr/>
-              <a:t>4/7/2024</a:t>
+              <a:t>4/17/2024</a:t>
             </a:fld>
             <a:endParaRPr lang="en-US" dirty="0"/>
           </a:p>
@@ -851,7 +854,7 @@
             <a:fld id="{5586B75A-687E-405C-8A0B-8D00578BA2C3}" type="datetimeFigureOut">
               <a:rPr lang="en-US" dirty="0"/>
               <a:pPr/>
-              <a:t>4/7/2024</a:t>
+              <a:t>4/17/2024</a:t>
             </a:fld>
             <a:endParaRPr lang="en-US" dirty="0"/>
           </a:p>
@@ -1106,7 +1109,7 @@
             <a:fld id="{5586B75A-687E-405C-8A0B-8D00578BA2C3}" type="datetimeFigureOut">
               <a:rPr lang="en-US" dirty="0"/>
               <a:pPr/>
-              <a:t>4/7/2024</a:t>
+              <a:t>4/17/2024</a:t>
             </a:fld>
             <a:endParaRPr lang="en-US" dirty="0"/>
           </a:p>
@@ -1391,7 +1394,7 @@
             <a:fld id="{5586B75A-687E-405C-8A0B-8D00578BA2C3}" type="datetimeFigureOut">
               <a:rPr lang="en-US" dirty="0"/>
               <a:pPr/>
-              <a:t>4/7/2024</a:t>
+              <a:t>4/17/2024</a:t>
             </a:fld>
             <a:endParaRPr lang="en-US" dirty="0"/>
           </a:p>
@@ -1830,7 +1833,7 @@
             <a:fld id="{5586B75A-687E-405C-8A0B-8D00578BA2C3}" type="datetimeFigureOut">
               <a:rPr lang="en-US" dirty="0"/>
               <a:pPr/>
-              <a:t>4/7/2024</a:t>
+              <a:t>4/17/2024</a:t>
             </a:fld>
             <a:endParaRPr lang="en-US" dirty="0"/>
           </a:p>
@@ -1945,7 +1948,7 @@
             <a:fld id="{5586B75A-687E-405C-8A0B-8D00578BA2C3}" type="datetimeFigureOut">
               <a:rPr lang="en-US" dirty="0"/>
               <a:pPr/>
-              <a:t>4/7/2024</a:t>
+              <a:t>4/17/2024</a:t>
             </a:fld>
             <a:endParaRPr lang="en-US" dirty="0"/>
           </a:p>
@@ -2037,7 +2040,7 @@
             <a:fld id="{5586B75A-687E-405C-8A0B-8D00578BA2C3}" type="datetimeFigureOut">
               <a:rPr lang="en-US" dirty="0"/>
               <a:pPr/>
-              <a:t>4/7/2024</a:t>
+              <a:t>4/17/2024</a:t>
             </a:fld>
             <a:endParaRPr lang="en-US" dirty="0"/>
           </a:p>
@@ -2322,7 +2325,7 @@
             <a:fld id="{5586B75A-687E-405C-8A0B-8D00578BA2C3}" type="datetimeFigureOut">
               <a:rPr lang="en-US" dirty="0"/>
               <a:pPr/>
-              <a:t>4/7/2024</a:t>
+              <a:t>4/17/2024</a:t>
             </a:fld>
             <a:endParaRPr lang="en-US" dirty="0"/>
           </a:p>
@@ -2592,7 +2595,7 @@
             <a:fld id="{5586B75A-687E-405C-8A0B-8D00578BA2C3}" type="datetimeFigureOut">
               <a:rPr lang="en-US" dirty="0"/>
               <a:pPr/>
-              <a:t>4/7/2024</a:t>
+              <a:t>4/17/2024</a:t>
             </a:fld>
             <a:endParaRPr lang="en-US" dirty="0"/>
           </a:p>
@@ -2886,7 +2889,7 @@
             <a:fld id="{5586B75A-687E-405C-8A0B-8D00578BA2C3}" type="datetimeFigureOut">
               <a:rPr lang="en-US" dirty="0"/>
               <a:pPr/>
-              <a:t>4/7/2024</a:t>
+              <a:t>4/17/2024</a:t>
             </a:fld>
             <a:endParaRPr lang="en-US" dirty="0"/>
           </a:p>
@@ -4066,7 +4069,147 @@
           <a:bodyPr/>
           <a:lstStyle/>
           <a:p>
+            <a:r>
+              <a:rPr lang="cs-CZ" dirty="0"/>
+              <a:t>elektrický motor otáčející se po krocích (stupních)</a:t>
+            </a:r>
+          </a:p>
+          <a:p>
+            <a:r>
+              <a:rPr lang="cs-CZ" dirty="0"/>
+              <a:t>přesné polohování</a:t>
+            </a:r>
+          </a:p>
+          <a:p>
+            <a:r>
+              <a:rPr lang="cs-CZ" dirty="0"/>
+              <a:t>3D tiskárny, CNC, mikrovlnky, laserové projektory</a:t>
+            </a:r>
+          </a:p>
+          <a:p>
             <a:endParaRPr lang="cs-CZ" dirty="0"/>
+          </a:p>
+          <a:p>
+            <a:endParaRPr lang="cs-CZ" dirty="0"/>
+          </a:p>
+          <a:p>
+            <a:endParaRPr lang="cs-CZ" dirty="0"/>
+          </a:p>
+          <a:p>
+            <a:endParaRPr lang="cs-CZ" dirty="0"/>
+          </a:p>
+          <a:p>
+            <a:endParaRPr lang="cs-CZ" dirty="0"/>
+          </a:p>
+          <a:p>
+            <a:endParaRPr lang="cs-CZ" dirty="0"/>
+          </a:p>
+          <a:p>
+            <a:endParaRPr lang="cs-CZ" dirty="0"/>
+          </a:p>
+          <a:p>
+            <a:endParaRPr lang="cs-CZ" dirty="0"/>
+          </a:p>
+        </p:txBody>
+      </p:sp>
+      <p:pic>
+        <p:nvPicPr>
+          <p:cNvPr id="4" name="Obrázek 3" descr="Krokový motor JK42HS48-2504 200 kroků / ot. 3,1 V Botland - obchod s  robotikou">
+            <a:extLst>
+              <a:ext uri="{FF2B5EF4-FFF2-40B4-BE49-F238E27FC236}">
+                <a16:creationId xmlns:a16="http://schemas.microsoft.com/office/drawing/2014/main" id="{B2C9E299-1482-4444-4F2F-E785F8BC7822}"/>
+              </a:ext>
+            </a:extLst>
+          </p:cNvPr>
+          <p:cNvPicPr>
+            <a:picLocks noChangeAspect="1"/>
+          </p:cNvPicPr>
+          <p:nvPr/>
+        </p:nvPicPr>
+        <p:blipFill>
+          <a:blip r:embed="rId2">
+            <a:extLst>
+              <a:ext uri="{28A0092B-C50C-407E-A947-70E740481C1C}">
+                <a14:useLocalDpi xmlns:a14="http://schemas.microsoft.com/office/drawing/2010/main" val="0"/>
+              </a:ext>
+            </a:extLst>
+          </a:blip>
+          <a:srcRect/>
+          <a:stretch>
+            <a:fillRect/>
+          </a:stretch>
+        </p:blipFill>
+        <p:spPr bwMode="auto">
+          <a:xfrm>
+            <a:off x="5568950" y="2349387"/>
+            <a:ext cx="3498850" cy="3498850"/>
+          </a:xfrm>
+          <a:prstGeom prst="rect">
+            <a:avLst/>
+          </a:prstGeom>
+          <a:noFill/>
+          <a:ln>
+            <a:noFill/>
+          </a:ln>
+        </p:spPr>
+      </p:pic>
+      <p:sp>
+        <p:nvSpPr>
+          <p:cNvPr id="6" name="TextovéPole 5">
+            <a:extLst>
+              <a:ext uri="{FF2B5EF4-FFF2-40B4-BE49-F238E27FC236}">
+                <a16:creationId xmlns:a16="http://schemas.microsoft.com/office/drawing/2014/main" id="{B296EC4B-30EB-0BA8-59FC-C8FAAF7F36FF}"/>
+              </a:ext>
+            </a:extLst>
+          </p:cNvPr>
+          <p:cNvSpPr txBox="1"/>
+          <p:nvPr/>
+        </p:nvSpPr>
+        <p:spPr>
+          <a:xfrm>
+            <a:off x="5822950" y="5728690"/>
+            <a:ext cx="2994633" cy="369332"/>
+          </a:xfrm>
+          <a:prstGeom prst="rect">
+            <a:avLst/>
+          </a:prstGeom>
+          <a:noFill/>
+        </p:spPr>
+        <p:txBody>
+          <a:bodyPr wrap="square" rtlCol="0">
+            <a:spAutoFit/>
+          </a:bodyPr>
+          <a:lstStyle/>
+          <a:p>
+            <a:pPr algn="ctr"/>
+            <a:r>
+              <a:rPr lang="cs-CZ" sz="1200" dirty="0"/>
+              <a:t>krokový</a:t>
+            </a:r>
+            <a:r>
+              <a:rPr lang="cs-CZ" dirty="0"/>
+              <a:t> </a:t>
+            </a:r>
+            <a:r>
+              <a:rPr lang="cs-CZ" sz="1200" dirty="0"/>
+              <a:t>motor</a:t>
+            </a:r>
+            <a:r>
+              <a:rPr lang="cs-CZ" dirty="0"/>
+              <a:t> </a:t>
+            </a:r>
+            <a:r>
+              <a:rPr lang="cs-CZ" sz="1200" dirty="0" err="1"/>
+              <a:t>Nema</a:t>
+            </a:r>
+            <a:r>
+              <a:rPr lang="cs-CZ" dirty="0"/>
+              <a:t> </a:t>
+            </a:r>
+            <a:r>
+              <a:rPr lang="cs-CZ" sz="1200" dirty="0"/>
+              <a:t>17</a:t>
+            </a:r>
           </a:p>
         </p:txBody>
       </p:sp>
@@ -4074,6 +4217,718 @@
     <p:extLst>
       <p:ext uri="{BB962C8B-B14F-4D97-AF65-F5344CB8AC3E}">
         <p14:creationId xmlns:p14="http://schemas.microsoft.com/office/powerpoint/2010/main" val="927450901"/>
+      </p:ext>
+    </p:extLst>
+  </p:cSld>
+  <p:clrMapOvr>
+    <a:masterClrMapping/>
+  </p:clrMapOvr>
+</p:sld>
+</file>
+
+<file path=ppt/slides/slide5.xml><?xml version="1.0" encoding="utf-8"?>
+<p:sld xmlns:a="http://schemas.openxmlformats.org/drawingml/2006/main" xmlns:r="http://schemas.openxmlformats.org/officeDocument/2006/relationships" xmlns:p="http://schemas.openxmlformats.org/presentationml/2006/main">
+  <p:cSld>
+    <p:spTree>
+      <p:nvGrpSpPr>
+        <p:cNvPr id="1" name=""/>
+        <p:cNvGrpSpPr/>
+        <p:nvPr/>
+      </p:nvGrpSpPr>
+      <p:grpSpPr>
+        <a:xfrm>
+          <a:off x="0" y="0"/>
+          <a:ext cx="0" cy="0"/>
+          <a:chOff x="0" y="0"/>
+          <a:chExt cx="0" cy="0"/>
+        </a:xfrm>
+      </p:grpSpPr>
+      <p:sp>
+        <p:nvSpPr>
+          <p:cNvPr id="2" name="Nadpis 1">
+            <a:extLst>
+              <a:ext uri="{FF2B5EF4-FFF2-40B4-BE49-F238E27FC236}">
+                <a16:creationId xmlns:a16="http://schemas.microsoft.com/office/drawing/2014/main" id="{EAFB8D84-602E-CE2C-E45E-C5B105B46E27}"/>
+              </a:ext>
+            </a:extLst>
+          </p:cNvPr>
+          <p:cNvSpPr>
+            <a:spLocks noGrp="1"/>
+          </p:cNvSpPr>
+          <p:nvPr>
+            <p:ph type="title"/>
+          </p:nvPr>
+        </p:nvSpPr>
+        <p:spPr/>
+        <p:txBody>
+          <a:bodyPr/>
+          <a:lstStyle/>
+          <a:p>
+            <a:r>
+              <a:rPr lang="cs-CZ" dirty="0"/>
+              <a:t>Popis krokového motoru</a:t>
+            </a:r>
+            <a:br>
+              <a:rPr lang="cs-CZ" dirty="0"/>
+            </a:br>
+            <a:r>
+              <a:rPr lang="cs-CZ" dirty="0"/>
+              <a:t>(složení)</a:t>
+            </a:r>
+          </a:p>
+        </p:txBody>
+      </p:sp>
+      <p:sp>
+        <p:nvSpPr>
+          <p:cNvPr id="3" name="Zástupný obsah 2">
+            <a:extLst>
+              <a:ext uri="{FF2B5EF4-FFF2-40B4-BE49-F238E27FC236}">
+                <a16:creationId xmlns:a16="http://schemas.microsoft.com/office/drawing/2014/main" id="{961EAB06-7148-8659-4B21-70F4289A0768}"/>
+              </a:ext>
+            </a:extLst>
+          </p:cNvPr>
+          <p:cNvSpPr>
+            <a:spLocks noGrp="1"/>
+          </p:cNvSpPr>
+          <p:nvPr>
+            <p:ph idx="1"/>
+          </p:nvPr>
+        </p:nvSpPr>
+        <p:spPr/>
+        <p:txBody>
+          <a:bodyPr/>
+          <a:lstStyle/>
+          <a:p>
+            <a:r>
+              <a:rPr lang="cs-CZ" dirty="0"/>
+              <a:t>složení: stator, dvě vinutí, rotor se zuby, permanentní magnet, …</a:t>
+            </a:r>
+          </a:p>
+          <a:p>
+            <a:endParaRPr lang="cs-CZ" dirty="0"/>
+          </a:p>
+          <a:p>
+            <a:endParaRPr lang="cs-CZ" dirty="0"/>
+          </a:p>
+          <a:p>
+            <a:endParaRPr lang="cs-CZ" dirty="0"/>
+          </a:p>
+          <a:p>
+            <a:endParaRPr lang="cs-CZ" dirty="0"/>
+          </a:p>
+          <a:p>
+            <a:endParaRPr lang="cs-CZ" dirty="0"/>
+          </a:p>
+          <a:p>
+            <a:endParaRPr lang="cs-CZ" dirty="0"/>
+          </a:p>
+          <a:p>
+            <a:endParaRPr lang="cs-CZ" dirty="0"/>
+          </a:p>
+          <a:p>
+            <a:endParaRPr lang="cs-CZ" dirty="0"/>
+          </a:p>
+          <a:p>
+            <a:endParaRPr lang="cs-CZ" dirty="0"/>
+          </a:p>
+          <a:p>
+            <a:endParaRPr lang="cs-CZ" dirty="0"/>
+          </a:p>
+          <a:p>
+            <a:endParaRPr lang="cs-CZ" dirty="0"/>
+          </a:p>
+          <a:p>
+            <a:endParaRPr lang="cs-CZ" dirty="0"/>
+          </a:p>
+        </p:txBody>
+      </p:sp>
+      <p:pic>
+        <p:nvPicPr>
+          <p:cNvPr id="4" name="Obrázek 3" descr="Krokový motor - co to je a jak funguje">
+            <a:extLst>
+              <a:ext uri="{FF2B5EF4-FFF2-40B4-BE49-F238E27FC236}">
+                <a16:creationId xmlns:a16="http://schemas.microsoft.com/office/drawing/2014/main" id="{1CA471AA-68BB-C089-6882-38FB0F53365B}"/>
+              </a:ext>
+            </a:extLst>
+          </p:cNvPr>
+          <p:cNvPicPr>
+            <a:picLocks noChangeAspect="1"/>
+          </p:cNvPicPr>
+          <p:nvPr/>
+        </p:nvPicPr>
+        <p:blipFill>
+          <a:blip r:embed="rId2">
+            <a:extLst>
+              <a:ext uri="{28A0092B-C50C-407E-A947-70E740481C1C}">
+                <a14:useLocalDpi xmlns:a14="http://schemas.microsoft.com/office/drawing/2010/main" val="0"/>
+              </a:ext>
+            </a:extLst>
+          </a:blip>
+          <a:srcRect/>
+          <a:stretch>
+            <a:fillRect/>
+          </a:stretch>
+        </p:blipFill>
+        <p:spPr bwMode="auto">
+          <a:xfrm>
+            <a:off x="4421187" y="1663607"/>
+            <a:ext cx="6221413" cy="3530785"/>
+          </a:xfrm>
+          <a:prstGeom prst="rect">
+            <a:avLst/>
+          </a:prstGeom>
+          <a:noFill/>
+          <a:ln>
+            <a:noFill/>
+          </a:ln>
+        </p:spPr>
+      </p:pic>
+      <p:sp>
+        <p:nvSpPr>
+          <p:cNvPr id="6" name="TextovéPole 5">
+            <a:extLst>
+              <a:ext uri="{FF2B5EF4-FFF2-40B4-BE49-F238E27FC236}">
+                <a16:creationId xmlns:a16="http://schemas.microsoft.com/office/drawing/2014/main" id="{5208EDF8-D407-D414-9021-85C9CBA90E4B}"/>
+              </a:ext>
+            </a:extLst>
+          </p:cNvPr>
+          <p:cNvSpPr txBox="1"/>
+          <p:nvPr/>
+        </p:nvSpPr>
+        <p:spPr>
+          <a:xfrm>
+            <a:off x="4421187" y="5355688"/>
+            <a:ext cx="6221413" cy="369332"/>
+          </a:xfrm>
+          <a:prstGeom prst="rect">
+            <a:avLst/>
+          </a:prstGeom>
+          <a:noFill/>
+        </p:spPr>
+        <p:txBody>
+          <a:bodyPr wrap="square" rtlCol="0">
+            <a:spAutoFit/>
+          </a:bodyPr>
+          <a:lstStyle/>
+          <a:p>
+            <a:pPr algn="ctr"/>
+            <a:r>
+              <a:rPr lang="cs-CZ" sz="1200" dirty="0"/>
+              <a:t>složení</a:t>
+            </a:r>
+            <a:r>
+              <a:rPr lang="cs-CZ" dirty="0"/>
+              <a:t> </a:t>
+            </a:r>
+            <a:r>
+              <a:rPr lang="cs-CZ" sz="1200" dirty="0"/>
+              <a:t>krokového</a:t>
+            </a:r>
+            <a:r>
+              <a:rPr lang="cs-CZ" dirty="0"/>
+              <a:t> </a:t>
+            </a:r>
+            <a:r>
+              <a:rPr lang="cs-CZ" sz="1200" dirty="0"/>
+              <a:t>motoru</a:t>
+            </a:r>
+          </a:p>
+        </p:txBody>
+      </p:sp>
+    </p:spTree>
+    <p:extLst>
+      <p:ext uri="{BB962C8B-B14F-4D97-AF65-F5344CB8AC3E}">
+        <p14:creationId xmlns:p14="http://schemas.microsoft.com/office/powerpoint/2010/main" val="555738813"/>
+      </p:ext>
+    </p:extLst>
+  </p:cSld>
+  <p:clrMapOvr>
+    <a:masterClrMapping/>
+  </p:clrMapOvr>
+</p:sld>
+</file>
+
+<file path=ppt/slides/slide6.xml><?xml version="1.0" encoding="utf-8"?>
+<p:sld xmlns:a="http://schemas.openxmlformats.org/drawingml/2006/main" xmlns:r="http://schemas.openxmlformats.org/officeDocument/2006/relationships" xmlns:p="http://schemas.openxmlformats.org/presentationml/2006/main">
+  <p:cSld>
+    <p:spTree>
+      <p:nvGrpSpPr>
+        <p:cNvPr id="1" name=""/>
+        <p:cNvGrpSpPr/>
+        <p:nvPr/>
+      </p:nvGrpSpPr>
+      <p:grpSpPr>
+        <a:xfrm>
+          <a:off x="0" y="0"/>
+          <a:ext cx="0" cy="0"/>
+          <a:chOff x="0" y="0"/>
+          <a:chExt cx="0" cy="0"/>
+        </a:xfrm>
+      </p:grpSpPr>
+      <p:sp>
+        <p:nvSpPr>
+          <p:cNvPr id="2" name="Nadpis 1">
+            <a:extLst>
+              <a:ext uri="{FF2B5EF4-FFF2-40B4-BE49-F238E27FC236}">
+                <a16:creationId xmlns:a16="http://schemas.microsoft.com/office/drawing/2014/main" id="{35826978-06DD-3C5D-99E7-65F5F2799A3F}"/>
+              </a:ext>
+            </a:extLst>
+          </p:cNvPr>
+          <p:cNvSpPr>
+            <a:spLocks noGrp="1"/>
+          </p:cNvSpPr>
+          <p:nvPr>
+            <p:ph type="title"/>
+          </p:nvPr>
+        </p:nvSpPr>
+        <p:spPr/>
+        <p:txBody>
+          <a:bodyPr/>
+          <a:lstStyle/>
+          <a:p>
+            <a:r>
+              <a:rPr lang="cs-CZ" dirty="0"/>
+              <a:t>Popis krokového motoru</a:t>
+            </a:r>
+            <a:br>
+              <a:rPr lang="cs-CZ" dirty="0"/>
+            </a:br>
+            <a:r>
+              <a:rPr lang="cs-CZ" dirty="0"/>
+              <a:t>(princip)</a:t>
+            </a:r>
+          </a:p>
+        </p:txBody>
+      </p:sp>
+      <p:sp>
+        <p:nvSpPr>
+          <p:cNvPr id="3" name="Zástupný obsah 2">
+            <a:extLst>
+              <a:ext uri="{FF2B5EF4-FFF2-40B4-BE49-F238E27FC236}">
+                <a16:creationId xmlns:a16="http://schemas.microsoft.com/office/drawing/2014/main" id="{1F7C33FD-E3C2-37A9-C51A-D6DC34AD41B5}"/>
+              </a:ext>
+            </a:extLst>
+          </p:cNvPr>
+          <p:cNvSpPr>
+            <a:spLocks noGrp="1"/>
+          </p:cNvSpPr>
+          <p:nvPr>
+            <p:ph idx="1"/>
+          </p:nvPr>
+        </p:nvSpPr>
+        <p:spPr/>
+        <p:txBody>
+          <a:bodyPr/>
+          <a:lstStyle/>
+          <a:p>
+            <a:r>
+              <a:rPr lang="cs-CZ" dirty="0"/>
+              <a:t>dvě vinutí jsou napájeny </a:t>
+            </a:r>
+            <a:r>
+              <a:rPr lang="cs-CZ" dirty="0" err="1"/>
+              <a:t>ssm</a:t>
+            </a:r>
+            <a:r>
+              <a:rPr lang="cs-CZ" dirty="0"/>
+              <a:t> U</a:t>
+            </a:r>
+          </a:p>
+          <a:p>
+            <a:r>
+              <a:rPr lang="cs-CZ" dirty="0"/>
+              <a:t>po převrácení napájecího U v jednom vinutí se rotor posune o 1 krok</a:t>
+            </a:r>
+          </a:p>
+          <a:p>
+            <a:r>
+              <a:rPr lang="cs-CZ" dirty="0"/>
+              <a:t>tímto opakováním se rotor postupně otáčí</a:t>
+            </a:r>
+          </a:p>
+          <a:p>
+            <a:r>
+              <a:rPr lang="cs-CZ" dirty="0"/>
+              <a:t>nutnost driveru</a:t>
+            </a:r>
+          </a:p>
+          <a:p>
+            <a:r>
+              <a:rPr lang="cs-CZ" dirty="0"/>
+              <a:t>přesné ovládání polohy</a:t>
+            </a:r>
+          </a:p>
+          <a:p>
+            <a:endParaRPr lang="cs-CZ" dirty="0"/>
+          </a:p>
+          <a:p>
+            <a:endParaRPr lang="cs-CZ" dirty="0"/>
+          </a:p>
+          <a:p>
+            <a:endParaRPr lang="cs-CZ" dirty="0"/>
+          </a:p>
+          <a:p>
+            <a:endParaRPr lang="cs-CZ" dirty="0"/>
+          </a:p>
+          <a:p>
+            <a:endParaRPr lang="cs-CZ" dirty="0"/>
+          </a:p>
+          <a:p>
+            <a:endParaRPr lang="cs-CZ" dirty="0"/>
+          </a:p>
+          <a:p>
+            <a:endParaRPr lang="cs-CZ" dirty="0"/>
+          </a:p>
+        </p:txBody>
+      </p:sp>
+      <p:pic>
+        <p:nvPicPr>
+          <p:cNvPr id="4" name="Obrázek 3" descr="Krokový motor – druhy a příklady aplikací krokových motorů | Elektronické  díly. Distributor a obchod online - Transfer Multisort Elektronik">
+            <a:extLst>
+              <a:ext uri="{FF2B5EF4-FFF2-40B4-BE49-F238E27FC236}">
+                <a16:creationId xmlns:a16="http://schemas.microsoft.com/office/drawing/2014/main" id="{5F7CFDE8-BF9F-7FB4-A62C-5C52FE104071}"/>
+              </a:ext>
+            </a:extLst>
+          </p:cNvPr>
+          <p:cNvPicPr>
+            <a:picLocks noChangeAspect="1"/>
+          </p:cNvPicPr>
+          <p:nvPr/>
+        </p:nvPicPr>
+        <p:blipFill rotWithShape="1">
+          <a:blip r:embed="rId2">
+            <a:extLst>
+              <a:ext uri="{28A0092B-C50C-407E-A947-70E740481C1C}">
+                <a14:useLocalDpi xmlns:a14="http://schemas.microsoft.com/office/drawing/2010/main" val="0"/>
+              </a:ext>
+            </a:extLst>
+          </a:blip>
+          <a:srcRect l="10420" t="4889" r="10846" b="5400"/>
+          <a:stretch/>
+        </p:blipFill>
+        <p:spPr bwMode="auto">
+          <a:xfrm>
+            <a:off x="7023099" y="2241550"/>
+            <a:ext cx="4108451" cy="3510980"/>
+          </a:xfrm>
+          <a:prstGeom prst="rect">
+            <a:avLst/>
+          </a:prstGeom>
+          <a:noFill/>
+          <a:ln>
+            <a:noFill/>
+          </a:ln>
+        </p:spPr>
+      </p:pic>
+      <p:sp>
+        <p:nvSpPr>
+          <p:cNvPr id="5" name="TextovéPole 4">
+            <a:extLst>
+              <a:ext uri="{FF2B5EF4-FFF2-40B4-BE49-F238E27FC236}">
+                <a16:creationId xmlns:a16="http://schemas.microsoft.com/office/drawing/2014/main" id="{344ED57E-B0B2-6E4E-86D0-DE0B55B1A9A3}"/>
+              </a:ext>
+            </a:extLst>
+          </p:cNvPr>
+          <p:cNvSpPr txBox="1"/>
+          <p:nvPr/>
+        </p:nvSpPr>
+        <p:spPr>
+          <a:xfrm>
+            <a:off x="7023099" y="5725020"/>
+            <a:ext cx="4108451" cy="369332"/>
+          </a:xfrm>
+          <a:prstGeom prst="rect">
+            <a:avLst/>
+          </a:prstGeom>
+          <a:noFill/>
+        </p:spPr>
+        <p:txBody>
+          <a:bodyPr wrap="square" rtlCol="0">
+            <a:spAutoFit/>
+          </a:bodyPr>
+          <a:lstStyle/>
+          <a:p>
+            <a:pPr algn="ctr"/>
+            <a:r>
+              <a:rPr lang="cs-CZ" sz="1200" dirty="0"/>
+              <a:t>princip</a:t>
+            </a:r>
+            <a:r>
+              <a:rPr lang="cs-CZ" dirty="0"/>
+              <a:t> </a:t>
+            </a:r>
+            <a:r>
+              <a:rPr lang="cs-CZ" sz="1200" dirty="0"/>
+              <a:t>činnosti</a:t>
+            </a:r>
+            <a:r>
+              <a:rPr lang="cs-CZ" dirty="0"/>
+              <a:t> </a:t>
+            </a:r>
+            <a:r>
+              <a:rPr lang="cs-CZ" sz="1200" dirty="0"/>
+              <a:t>krokového</a:t>
+            </a:r>
+            <a:r>
+              <a:rPr lang="cs-CZ" dirty="0"/>
+              <a:t> </a:t>
+            </a:r>
+            <a:r>
+              <a:rPr lang="cs-CZ" sz="1200" dirty="0"/>
+              <a:t>motoru</a:t>
+            </a:r>
+          </a:p>
+        </p:txBody>
+      </p:sp>
+    </p:spTree>
+    <p:extLst>
+      <p:ext uri="{BB962C8B-B14F-4D97-AF65-F5344CB8AC3E}">
+        <p14:creationId xmlns:p14="http://schemas.microsoft.com/office/powerpoint/2010/main" val="3085096900"/>
+      </p:ext>
+    </p:extLst>
+  </p:cSld>
+  <p:clrMapOvr>
+    <a:masterClrMapping/>
+  </p:clrMapOvr>
+</p:sld>
+</file>
+
+<file path=ppt/slides/slide7.xml><?xml version="1.0" encoding="utf-8"?>
+<p:sld xmlns:a="http://schemas.openxmlformats.org/drawingml/2006/main" xmlns:r="http://schemas.openxmlformats.org/officeDocument/2006/relationships" xmlns:p="http://schemas.openxmlformats.org/presentationml/2006/main">
+  <p:cSld>
+    <p:spTree>
+      <p:nvGrpSpPr>
+        <p:cNvPr id="1" name=""/>
+        <p:cNvGrpSpPr/>
+        <p:nvPr/>
+      </p:nvGrpSpPr>
+      <p:grpSpPr>
+        <a:xfrm>
+          <a:off x="0" y="0"/>
+          <a:ext cx="0" cy="0"/>
+          <a:chOff x="0" y="0"/>
+          <a:chExt cx="0" cy="0"/>
+        </a:xfrm>
+      </p:grpSpPr>
+      <p:sp>
+        <p:nvSpPr>
+          <p:cNvPr id="2" name="Nadpis 1">
+            <a:extLst>
+              <a:ext uri="{FF2B5EF4-FFF2-40B4-BE49-F238E27FC236}">
+                <a16:creationId xmlns:a16="http://schemas.microsoft.com/office/drawing/2014/main" id="{2A62F405-DFAA-AB63-0FD3-910F4EFD30CB}"/>
+              </a:ext>
+            </a:extLst>
+          </p:cNvPr>
+          <p:cNvSpPr>
+            <a:spLocks noGrp="1"/>
+          </p:cNvSpPr>
+          <p:nvPr>
+            <p:ph type="title"/>
+          </p:nvPr>
+        </p:nvSpPr>
+        <p:spPr/>
+        <p:txBody>
+          <a:bodyPr/>
+          <a:lstStyle/>
+          <a:p>
+            <a:r>
+              <a:rPr lang="cs-CZ" dirty="0"/>
+              <a:t>Popis krokového motoru</a:t>
+            </a:r>
+            <a:br>
+              <a:rPr lang="cs-CZ" dirty="0"/>
+            </a:br>
+            <a:r>
+              <a:rPr lang="cs-CZ" dirty="0"/>
+              <a:t>(driver)</a:t>
+            </a:r>
+          </a:p>
+        </p:txBody>
+      </p:sp>
+      <p:sp>
+        <p:nvSpPr>
+          <p:cNvPr id="3" name="Zástupný obsah 2">
+            <a:extLst>
+              <a:ext uri="{FF2B5EF4-FFF2-40B4-BE49-F238E27FC236}">
+                <a16:creationId xmlns:a16="http://schemas.microsoft.com/office/drawing/2014/main" id="{396DF679-2075-3034-C193-5B3D471C3D2D}"/>
+              </a:ext>
+            </a:extLst>
+          </p:cNvPr>
+          <p:cNvSpPr>
+            <a:spLocks noGrp="1"/>
+          </p:cNvSpPr>
+          <p:nvPr>
+            <p:ph idx="1"/>
+          </p:nvPr>
+        </p:nvSpPr>
+        <p:spPr/>
+        <p:txBody>
+          <a:bodyPr/>
+          <a:lstStyle/>
+          <a:p>
+            <a:r>
+              <a:rPr lang="cs-CZ" dirty="0"/>
+              <a:t>řídí krokový motor</a:t>
+            </a:r>
+          </a:p>
+          <a:p>
+            <a:r>
+              <a:rPr lang="cs-CZ" dirty="0"/>
+              <a:t>proudová ochrana, tepelná ochrana, energetická úspora</a:t>
+            </a:r>
+          </a:p>
+          <a:p>
+            <a:r>
+              <a:rPr lang="cs-CZ" dirty="0"/>
+              <a:t>více módů: full-step, </a:t>
+            </a:r>
+            <a:r>
+              <a:rPr lang="cs-CZ" dirty="0" err="1"/>
+              <a:t>half</a:t>
+            </a:r>
+            <a:r>
+              <a:rPr lang="cs-CZ" dirty="0"/>
+              <a:t>-step, </a:t>
+            </a:r>
+            <a:r>
+              <a:rPr lang="cs-CZ" dirty="0" err="1"/>
+              <a:t>microstep</a:t>
+            </a:r>
+            <a:endParaRPr lang="cs-CZ" dirty="0"/>
+          </a:p>
+          <a:p>
+            <a:r>
+              <a:rPr lang="cs-CZ" dirty="0"/>
+              <a:t>full-step: přepíná napájení vinutí</a:t>
+            </a:r>
+          </a:p>
+          <a:p>
+            <a:r>
+              <a:rPr lang="cs-CZ" dirty="0" err="1"/>
+              <a:t>half</a:t>
+            </a:r>
+            <a:r>
+              <a:rPr lang="cs-CZ" dirty="0"/>
+              <a:t>-step: střídá na vinutí kladné, žádné a záporné napájení</a:t>
+            </a:r>
+          </a:p>
+          <a:p>
+            <a:r>
+              <a:rPr lang="cs-CZ" dirty="0" err="1"/>
+              <a:t>microstep</a:t>
+            </a:r>
+            <a:r>
+              <a:rPr lang="cs-CZ" dirty="0"/>
+              <a:t>: řídí množství proudu odesílaného do jednotlivých vinutí, tím to je sofistikovanější</a:t>
+            </a:r>
+          </a:p>
+          <a:p>
+            <a:endParaRPr lang="cs-CZ" dirty="0"/>
+          </a:p>
+          <a:p>
+            <a:endParaRPr lang="cs-CZ" dirty="0"/>
+          </a:p>
+          <a:p>
+            <a:endParaRPr lang="cs-CZ" dirty="0"/>
+          </a:p>
+          <a:p>
+            <a:endParaRPr lang="cs-CZ" dirty="0"/>
+          </a:p>
+          <a:p>
+            <a:endParaRPr lang="cs-CZ" dirty="0"/>
+          </a:p>
+          <a:p>
+            <a:endParaRPr lang="cs-CZ" dirty="0"/>
+          </a:p>
+        </p:txBody>
+      </p:sp>
+      <p:pic>
+        <p:nvPicPr>
+          <p:cNvPr id="4" name="Obrázek 3" descr="Motor driver A4988 Pro Reprap 3D Tiskárny - červený | dratek.cz">
+            <a:extLst>
+              <a:ext uri="{FF2B5EF4-FFF2-40B4-BE49-F238E27FC236}">
+                <a16:creationId xmlns:a16="http://schemas.microsoft.com/office/drawing/2014/main" id="{A72D1421-AFFD-D240-63EB-03DA057607D7}"/>
+              </a:ext>
+            </a:extLst>
+          </p:cNvPr>
+          <p:cNvPicPr>
+            <a:picLocks noChangeAspect="1"/>
+          </p:cNvPicPr>
+          <p:nvPr/>
+        </p:nvPicPr>
+        <p:blipFill rotWithShape="1">
+          <a:blip r:embed="rId2" cstate="print">
+            <a:extLst>
+              <a:ext uri="{28A0092B-C50C-407E-A947-70E740481C1C}">
+                <a14:useLocalDpi xmlns:a14="http://schemas.microsoft.com/office/drawing/2010/main" val="0"/>
+              </a:ext>
+            </a:extLst>
+          </a:blip>
+          <a:srcRect l="13333" t="18610" r="11111" b="13890"/>
+          <a:stretch/>
+        </p:blipFill>
+        <p:spPr bwMode="auto">
+          <a:xfrm>
+            <a:off x="6223000" y="3492499"/>
+            <a:ext cx="2616200" cy="2337267"/>
+          </a:xfrm>
+          <a:prstGeom prst="rect">
+            <a:avLst/>
+          </a:prstGeom>
+          <a:noFill/>
+          <a:ln>
+            <a:noFill/>
+          </a:ln>
+        </p:spPr>
+      </p:pic>
+      <p:sp>
+        <p:nvSpPr>
+          <p:cNvPr id="5" name="TextovéPole 4">
+            <a:extLst>
+              <a:ext uri="{FF2B5EF4-FFF2-40B4-BE49-F238E27FC236}">
+                <a16:creationId xmlns:a16="http://schemas.microsoft.com/office/drawing/2014/main" id="{7AE8F63B-970E-033D-C395-7C44B0A5652D}"/>
+              </a:ext>
+            </a:extLst>
+          </p:cNvPr>
+          <p:cNvSpPr txBox="1"/>
+          <p:nvPr/>
+        </p:nvSpPr>
+        <p:spPr>
+          <a:xfrm>
+            <a:off x="6223000" y="5725020"/>
+            <a:ext cx="2616200" cy="369332"/>
+          </a:xfrm>
+          <a:prstGeom prst="rect">
+            <a:avLst/>
+          </a:prstGeom>
+          <a:noFill/>
+        </p:spPr>
+        <p:txBody>
+          <a:bodyPr wrap="square" rtlCol="0">
+            <a:spAutoFit/>
+          </a:bodyPr>
+          <a:lstStyle/>
+          <a:p>
+            <a:pPr algn="ctr"/>
+            <a:r>
+              <a:rPr lang="cs-CZ" sz="1200" dirty="0"/>
+              <a:t>driver</a:t>
+            </a:r>
+            <a:r>
+              <a:rPr lang="cs-CZ" dirty="0"/>
+              <a:t> </a:t>
+            </a:r>
+            <a:r>
+              <a:rPr lang="cs-CZ" sz="1200" dirty="0"/>
+              <a:t>A4988</a:t>
+            </a:r>
+          </a:p>
+        </p:txBody>
+      </p:sp>
+    </p:spTree>
+    <p:extLst>
+      <p:ext uri="{BB962C8B-B14F-4D97-AF65-F5344CB8AC3E}">
+        <p14:creationId xmlns:p14="http://schemas.microsoft.com/office/powerpoint/2010/main" val="2875115424"/>
       </p:ext>
     </p:extLst>
   </p:cSld>
